--- a/Презентация.pptx
+++ b/Презентация.pptx
@@ -7094,7 +7094,7 @@
                 <a:ea typeface="Calibri" panose="020F0502020204030204" pitchFamily="34" charset="0"/>
                 <a:cs typeface="Times New Roman" panose="02020603050405020304" pitchFamily="18" charset="0"/>
               </a:rPr>
-              <a:t>Такая программа поможет упростить учёт посещаемости, а также создавать отчеты. Поэтому тема «Разработка компьютерной программы «Учет посещаемости студентов» сегодня является актуальной. Именно поэтому данный проект представляет возможность для реализации студентом. Благодаря такому программному обеспечению можно упростить и ускорить работу преподавателей с учетом и отчётами о посещаемости.</a:t>
+              <a:t>Такая программа поможет упростить учёт посещаемости, а также создавать отчеты. Поэтому тема «Разработка компьютерной программы «Учет посещаемости студентов» сегодня является актуальной. Именно поэтому данный проект предоставляет возможность для реализации студентом. Благодаря такому программному обеспечению можно упростить и ускорить работу преподавателей с учетом и отчётами о посещаемости.</a:t>
             </a:r>
             <a:endParaRPr lang="ru-RU" sz="3600" dirty="0">
               <a:effectLst/>

--- a/Презентация.pptx
+++ b/Презентация.pptx
@@ -210,7 +210,7 @@
           <a:p>
             <a:fld id="{B6A6DE19-7F9E-4FA7-8EED-418951F7D8DC}" type="datetimeFigureOut">
               <a:rPr lang="ru-RU" smtClean="0"/>
-              <a:t>21.06.2022</a:t>
+              <a:t>27.06.2022</a:t>
             </a:fld>
             <a:endParaRPr lang="ru-RU"/>
           </a:p>
@@ -1434,7 +1434,7 @@
           <a:p>
             <a:fld id="{52EE6EB2-908D-499E-B2D1-212C6906FB54}" type="datetime1">
               <a:rPr lang="ru-RU" smtClean="0"/>
-              <a:t>21.06.2022</a:t>
+              <a:t>27.06.2022</a:t>
             </a:fld>
             <a:endParaRPr lang="ru-RU"/>
           </a:p>
@@ -1602,7 +1602,7 @@
           <a:p>
             <a:fld id="{966CBED1-0AB5-4C20-B2AC-AC2585012C56}" type="datetime1">
               <a:rPr lang="ru-RU" smtClean="0"/>
-              <a:t>21.06.2022</a:t>
+              <a:t>27.06.2022</a:t>
             </a:fld>
             <a:endParaRPr lang="ru-RU"/>
           </a:p>
@@ -1780,7 +1780,7 @@
           <a:p>
             <a:fld id="{42035F99-0626-43AD-8733-8D98D1A60846}" type="datetime1">
               <a:rPr lang="ru-RU" smtClean="0"/>
-              <a:t>21.06.2022</a:t>
+              <a:t>27.06.2022</a:t>
             </a:fld>
             <a:endParaRPr lang="ru-RU"/>
           </a:p>
@@ -1948,7 +1948,7 @@
           <a:p>
             <a:fld id="{C18307E0-58A0-4CDB-8BE9-2A58568B4CD8}" type="datetime1">
               <a:rPr lang="ru-RU" smtClean="0"/>
-              <a:t>21.06.2022</a:t>
+              <a:t>27.06.2022</a:t>
             </a:fld>
             <a:endParaRPr lang="ru-RU"/>
           </a:p>
@@ -2193,7 +2193,7 @@
           <a:p>
             <a:fld id="{500AF340-A21C-423F-ACB5-A6191E498B33}" type="datetime1">
               <a:rPr lang="ru-RU" smtClean="0"/>
-              <a:t>21.06.2022</a:t>
+              <a:t>27.06.2022</a:t>
             </a:fld>
             <a:endParaRPr lang="ru-RU"/>
           </a:p>
@@ -2422,7 +2422,7 @@
           <a:p>
             <a:fld id="{64DC3DED-5239-47F5-9426-AECB026DDB36}" type="datetime1">
               <a:rPr lang="ru-RU" smtClean="0"/>
-              <a:t>21.06.2022</a:t>
+              <a:t>27.06.2022</a:t>
             </a:fld>
             <a:endParaRPr lang="ru-RU"/>
           </a:p>
@@ -2786,7 +2786,7 @@
           <a:p>
             <a:fld id="{425DD4F2-0BCE-4EC7-9BB2-2951E1E97C2F}" type="datetime1">
               <a:rPr lang="ru-RU" smtClean="0"/>
-              <a:t>21.06.2022</a:t>
+              <a:t>27.06.2022</a:t>
             </a:fld>
             <a:endParaRPr lang="ru-RU"/>
           </a:p>
@@ -2903,7 +2903,7 @@
           <a:p>
             <a:fld id="{568F2167-9680-4828-BFF1-8337B18A353F}" type="datetime1">
               <a:rPr lang="ru-RU" smtClean="0"/>
-              <a:t>21.06.2022</a:t>
+              <a:t>27.06.2022</a:t>
             </a:fld>
             <a:endParaRPr lang="ru-RU"/>
           </a:p>
@@ -2998,7 +2998,7 @@
           <a:p>
             <a:fld id="{39D0493F-540C-49DA-9B4B-FB33E4457053}" type="datetime1">
               <a:rPr lang="ru-RU" smtClean="0"/>
-              <a:t>21.06.2022</a:t>
+              <a:t>27.06.2022</a:t>
             </a:fld>
             <a:endParaRPr lang="ru-RU"/>
           </a:p>
@@ -3273,7 +3273,7 @@
           <a:p>
             <a:fld id="{35A340FE-A306-4B15-A9AF-17AA0DB32F8D}" type="datetime1">
               <a:rPr lang="ru-RU" smtClean="0"/>
-              <a:t>21.06.2022</a:t>
+              <a:t>27.06.2022</a:t>
             </a:fld>
             <a:endParaRPr lang="ru-RU"/>
           </a:p>
@@ -3525,7 +3525,7 @@
           <a:p>
             <a:fld id="{CCE2310E-96BB-42B0-B6AF-E9EDD14182E3}" type="datetime1">
               <a:rPr lang="ru-RU" smtClean="0"/>
-              <a:t>21.06.2022</a:t>
+              <a:t>27.06.2022</a:t>
             </a:fld>
             <a:endParaRPr lang="ru-RU"/>
           </a:p>
@@ -3736,7 +3736,7 @@
           <a:p>
             <a:fld id="{75E68754-CE83-405C-B486-BC727CADBEC0}" type="datetime1">
               <a:rPr lang="ru-RU" smtClean="0"/>
-              <a:t>21.06.2022</a:t>
+              <a:t>27.06.2022</a:t>
             </a:fld>
             <a:endParaRPr lang="ru-RU"/>
           </a:p>
@@ -4492,6 +4492,14 @@
   <p:clrMapOvr>
     <a:masterClrMapping/>
   </p:clrMapOvr>
+  <mc:AlternateContent xmlns:mc="http://schemas.openxmlformats.org/markup-compatibility/2006">
+    <mc:Choice xmlns:p14="http://schemas.microsoft.com/office/powerpoint/2010/main" Requires="p14">
+      <p:transition spd="slow" p14:dur="2000" advTm="11339"/>
+    </mc:Choice>
+    <mc:Fallback>
+      <p:transition spd="slow" advTm="11339"/>
+    </mc:Fallback>
+  </mc:AlternateContent>
 </p:sld>
 </file>
 
@@ -4556,14 +4564,14 @@
             <p:ph idx="1"/>
             <p:extLst>
               <p:ext uri="{D42A27DB-BD31-4B8C-83A1-F6EECF244321}">
-                <p14:modId xmlns:p14="http://schemas.microsoft.com/office/powerpoint/2010/main" val="3191070545"/>
+                <p14:modId xmlns:p14="http://schemas.microsoft.com/office/powerpoint/2010/main" val="2373275976"/>
               </p:ext>
             </p:extLst>
           </p:nvPr>
         </p:nvGraphicFramePr>
         <p:xfrm>
-          <a:off x="838199" y="1504709"/>
-          <a:ext cx="10515599" cy="4743953"/>
+          <a:off x="838199" y="2164466"/>
+          <a:ext cx="10515599" cy="4033609"/>
         </p:xfrm>
         <a:graphic>
           <a:graphicData uri="http://schemas.openxmlformats.org/drawingml/2006/table">
@@ -4587,7 +4595,7 @@
                   </a:extLst>
                 </a:gridCol>
               </a:tblGrid>
-              <a:tr h="586182">
+              <a:tr h="503781">
                 <a:tc>
                   <a:txBody>
                     <a:bodyPr/>
@@ -4599,12 +4607,12 @@
                         </a:lnSpc>
                       </a:pPr>
                       <a:r>
-                        <a:rPr lang="ru-RU" sz="1600" dirty="0">
+                        <a:rPr lang="ru-RU" sz="1400" dirty="0">
                           <a:effectLst/>
                         </a:rPr>
                         <a:t>Название функции</a:t>
                       </a:r>
-                      <a:endParaRPr lang="ru-RU" sz="1600" dirty="0">
+                      <a:endParaRPr lang="ru-RU" sz="1400" dirty="0">
                         <a:effectLst/>
                         <a:latin typeface="Times New Roman" panose="02020603050405020304" pitchFamily="18" charset="0"/>
                         <a:ea typeface="Times New Roman" panose="02020603050405020304" pitchFamily="18" charset="0"/>
@@ -4625,12 +4633,12 @@
                         </a:lnSpc>
                       </a:pPr>
                       <a:r>
-                        <a:rPr lang="ru-RU" sz="1600" dirty="0">
+                        <a:rPr lang="ru-RU" sz="1400" dirty="0">
                           <a:effectLst/>
                         </a:rPr>
                         <a:t>Функциональное назначение</a:t>
                       </a:r>
-                      <a:endParaRPr lang="ru-RU" sz="1600" dirty="0">
+                      <a:endParaRPr lang="ru-RU" sz="1400" dirty="0">
                         <a:effectLst/>
                         <a:latin typeface="Times New Roman" panose="02020603050405020304" pitchFamily="18" charset="0"/>
                         <a:ea typeface="Times New Roman" panose="02020603050405020304" pitchFamily="18" charset="0"/>
@@ -4646,7 +4654,7 @@
                   </a:ext>
                 </a:extLst>
               </a:tr>
-              <a:tr h="400203">
+              <a:tr h="343946">
                 <a:tc>
                   <a:txBody>
                     <a:bodyPr/>
@@ -4658,12 +4666,30 @@
                         </a:lnSpc>
                       </a:pPr>
                       <a:r>
-                        <a:rPr lang="ru-RU" sz="1600">
+                        <a:rPr lang="ru-RU" sz="1400" dirty="0" err="1">
                           <a:effectLst/>
                         </a:rPr>
-                        <a:t>StringToDate(string)</a:t>
+                        <a:t>StringToDate</a:t>
                       </a:r>
-                      <a:endParaRPr lang="ru-RU" sz="1600">
+                      <a:r>
+                        <a:rPr lang="ru-RU" sz="1400" dirty="0">
+                          <a:effectLst/>
+                        </a:rPr>
+                        <a:t>(</a:t>
+                      </a:r>
+                      <a:r>
+                        <a:rPr lang="ru-RU" sz="1400" dirty="0" err="1">
+                          <a:effectLst/>
+                        </a:rPr>
+                        <a:t>string</a:t>
+                      </a:r>
+                      <a:r>
+                        <a:rPr lang="ru-RU" sz="1400" dirty="0">
+                          <a:effectLst/>
+                        </a:rPr>
+                        <a:t>)</a:t>
+                      </a:r>
+                      <a:endParaRPr lang="ru-RU" sz="1400" dirty="0">
                         <a:effectLst/>
                         <a:latin typeface="Times New Roman" panose="02020603050405020304" pitchFamily="18" charset="0"/>
                         <a:ea typeface="Times New Roman" panose="02020603050405020304" pitchFamily="18" charset="0"/>
@@ -4684,24 +4710,24 @@
                         </a:lnSpc>
                       </a:pPr>
                       <a:r>
-                        <a:rPr lang="ru-RU" sz="1600" dirty="0">
+                        <a:rPr lang="ru-RU" sz="1400" dirty="0">
                           <a:effectLst/>
                         </a:rPr>
                         <a:t>Позволяет преобразовать строку в дату(</a:t>
                       </a:r>
                       <a:r>
-                        <a:rPr lang="ru-RU" sz="1600" dirty="0" err="1">
+                        <a:rPr lang="ru-RU" sz="1400" dirty="0" err="1">
                           <a:effectLst/>
                         </a:rPr>
                         <a:t>datetime</a:t>
                       </a:r>
                       <a:r>
-                        <a:rPr lang="ru-RU" sz="1600" dirty="0">
+                        <a:rPr lang="ru-RU" sz="1400" dirty="0">
                           <a:effectLst/>
                         </a:rPr>
                         <a:t>).</a:t>
                       </a:r>
-                      <a:endParaRPr lang="ru-RU" sz="1600" dirty="0">
+                      <a:endParaRPr lang="ru-RU" sz="1400" dirty="0">
                         <a:effectLst/>
                         <a:latin typeface="Times New Roman" panose="02020603050405020304" pitchFamily="18" charset="0"/>
                         <a:ea typeface="Times New Roman" panose="02020603050405020304" pitchFamily="18" charset="0"/>
@@ -4717,7 +4743,7 @@
                   </a:ext>
                 </a:extLst>
               </a:tr>
-              <a:tr h="400203">
+              <a:tr h="343946">
                 <a:tc>
                   <a:txBody>
                     <a:bodyPr/>
@@ -4729,12 +4755,30 @@
                         </a:lnSpc>
                       </a:pPr>
                       <a:r>
-                        <a:rPr lang="ru-RU" sz="1600">
+                        <a:rPr lang="ru-RU" sz="1400" dirty="0" err="1">
                           <a:effectLst/>
                         </a:rPr>
-                        <a:t>DateToString(date)</a:t>
+                        <a:t>DateToString</a:t>
                       </a:r>
-                      <a:endParaRPr lang="ru-RU" sz="1600">
+                      <a:r>
+                        <a:rPr lang="ru-RU" sz="1400" dirty="0">
+                          <a:effectLst/>
+                        </a:rPr>
+                        <a:t>(</a:t>
+                      </a:r>
+                      <a:r>
+                        <a:rPr lang="ru-RU" sz="1400" dirty="0" err="1">
+                          <a:effectLst/>
+                        </a:rPr>
+                        <a:t>date</a:t>
+                      </a:r>
+                      <a:r>
+                        <a:rPr lang="ru-RU" sz="1400" dirty="0">
+                          <a:effectLst/>
+                        </a:rPr>
+                        <a:t>)</a:t>
+                      </a:r>
+                      <a:endParaRPr lang="ru-RU" sz="1400" dirty="0">
                         <a:effectLst/>
                         <a:latin typeface="Times New Roman" panose="02020603050405020304" pitchFamily="18" charset="0"/>
                         <a:ea typeface="Times New Roman" panose="02020603050405020304" pitchFamily="18" charset="0"/>
@@ -4755,12 +4799,24 @@
                         </a:lnSpc>
                       </a:pPr>
                       <a:r>
-                        <a:rPr lang="ru-RU" sz="1600">
+                        <a:rPr lang="ru-RU" sz="1400" dirty="0">
                           <a:effectLst/>
                         </a:rPr>
-                        <a:t>Позволяет преобразовать дату(datetime) в строку.</a:t>
+                        <a:t>Позволяет преобразовать дату(</a:t>
                       </a:r>
-                      <a:endParaRPr lang="ru-RU" sz="1600">
+                      <a:r>
+                        <a:rPr lang="ru-RU" sz="1400" dirty="0" err="1">
+                          <a:effectLst/>
+                        </a:rPr>
+                        <a:t>datetime</a:t>
+                      </a:r>
+                      <a:r>
+                        <a:rPr lang="ru-RU" sz="1400" dirty="0">
+                          <a:effectLst/>
+                        </a:rPr>
+                        <a:t>) в строку.</a:t>
+                      </a:r>
+                      <a:endParaRPr lang="ru-RU" sz="1400" dirty="0">
                         <a:effectLst/>
                         <a:latin typeface="Times New Roman" panose="02020603050405020304" pitchFamily="18" charset="0"/>
                         <a:ea typeface="Times New Roman" panose="02020603050405020304" pitchFamily="18" charset="0"/>
@@ -4776,7 +4832,7 @@
                   </a:ext>
                 </a:extLst>
               </a:tr>
-              <a:tr h="400203">
+              <a:tr h="343946">
                 <a:tc>
                   <a:txBody>
                     <a:bodyPr/>
@@ -4788,12 +4844,12 @@
                         </a:lnSpc>
                       </a:pPr>
                       <a:r>
-                        <a:rPr lang="ru-RU" sz="1600">
+                        <a:rPr lang="ru-RU" sz="1400">
                           <a:effectLst/>
                         </a:rPr>
                         <a:t>delete_duplicate(my_list)</a:t>
                       </a:r>
-                      <a:endParaRPr lang="ru-RU" sz="1600">
+                      <a:endParaRPr lang="ru-RU" sz="1400">
                         <a:effectLst/>
                         <a:latin typeface="Times New Roman" panose="02020603050405020304" pitchFamily="18" charset="0"/>
                         <a:ea typeface="Times New Roman" panose="02020603050405020304" pitchFamily="18" charset="0"/>
@@ -4814,12 +4870,12 @@
                         </a:lnSpc>
                       </a:pPr>
                       <a:r>
-                        <a:rPr lang="ru-RU" sz="1600">
+                        <a:rPr lang="ru-RU" sz="1400" dirty="0">
                           <a:effectLst/>
                         </a:rPr>
                         <a:t>Позволяет удалить дубликаты в списке.</a:t>
                       </a:r>
-                      <a:endParaRPr lang="ru-RU" sz="1600">
+                      <a:endParaRPr lang="ru-RU" sz="1400" dirty="0">
                         <a:effectLst/>
                         <a:latin typeface="Times New Roman" panose="02020603050405020304" pitchFamily="18" charset="0"/>
                         <a:ea typeface="Times New Roman" panose="02020603050405020304" pitchFamily="18" charset="0"/>
@@ -4835,7 +4891,7 @@
                   </a:ext>
                 </a:extLst>
               </a:tr>
-              <a:tr h="400203">
+              <a:tr h="343946">
                 <a:tc>
                   <a:txBody>
                     <a:bodyPr/>
@@ -4847,12 +4903,12 @@
                         </a:lnSpc>
                       </a:pPr>
                       <a:r>
-                        <a:rPr lang="en-US" sz="1600">
+                        <a:rPr lang="en-US" sz="1400">
                           <a:effectLst/>
                         </a:rPr>
                         <a:t>array_column_of_CSV(index)</a:t>
                       </a:r>
-                      <a:endParaRPr lang="ru-RU" sz="1600">
+                      <a:endParaRPr lang="ru-RU" sz="1400">
                         <a:effectLst/>
                         <a:latin typeface="Times New Roman" panose="02020603050405020304" pitchFamily="18" charset="0"/>
                         <a:ea typeface="Times New Roman" panose="02020603050405020304" pitchFamily="18" charset="0"/>
@@ -4873,12 +4929,12 @@
                         </a:lnSpc>
                       </a:pPr>
                       <a:r>
-                        <a:rPr lang="ru-RU" sz="1600">
+                        <a:rPr lang="ru-RU" sz="1400" dirty="0">
                           <a:effectLst/>
                         </a:rPr>
                         <a:t>Позволяет получить определенный столбец из файла.</a:t>
                       </a:r>
-                      <a:endParaRPr lang="ru-RU" sz="1600">
+                      <a:endParaRPr lang="ru-RU" sz="1400" dirty="0">
                         <a:effectLst/>
                         <a:latin typeface="Times New Roman" panose="02020603050405020304" pitchFamily="18" charset="0"/>
                         <a:ea typeface="Times New Roman" panose="02020603050405020304" pitchFamily="18" charset="0"/>
@@ -4894,7 +4950,7 @@
                   </a:ext>
                 </a:extLst>
               </a:tr>
-              <a:tr h="641816">
+              <a:tr h="551594">
                 <a:tc>
                   <a:txBody>
                     <a:bodyPr/>
@@ -4906,12 +4962,12 @@
                         </a:lnSpc>
                       </a:pPr>
                       <a:r>
-                        <a:rPr lang="en-US" sz="1600">
+                        <a:rPr lang="en-US" sz="1400">
                           <a:effectLst/>
                         </a:rPr>
                         <a:t>array_columns_of_CSV(start=0, end=None)</a:t>
                       </a:r>
-                      <a:endParaRPr lang="ru-RU" sz="1600">
+                      <a:endParaRPr lang="ru-RU" sz="1400">
                         <a:effectLst/>
                         <a:latin typeface="Times New Roman" panose="02020603050405020304" pitchFamily="18" charset="0"/>
                         <a:ea typeface="Times New Roman" panose="02020603050405020304" pitchFamily="18" charset="0"/>
@@ -4932,12 +4988,12 @@
                         </a:lnSpc>
                       </a:pPr>
                       <a:r>
-                        <a:rPr lang="ru-RU" sz="1600" dirty="0">
+                        <a:rPr lang="ru-RU" sz="1400" dirty="0">
                           <a:effectLst/>
                         </a:rPr>
                         <a:t>Позволяет получить определенные столбцы из файла.</a:t>
                       </a:r>
-                      <a:endParaRPr lang="ru-RU" sz="1600" dirty="0">
+                      <a:endParaRPr lang="ru-RU" sz="1400" dirty="0">
                         <a:effectLst/>
                         <a:latin typeface="Times New Roman" panose="02020603050405020304" pitchFamily="18" charset="0"/>
                         <a:ea typeface="Times New Roman" panose="02020603050405020304" pitchFamily="18" charset="0"/>
@@ -4953,7 +5009,7 @@
                   </a:ext>
                 </a:extLst>
               </a:tr>
-              <a:tr h="400203">
+              <a:tr h="343946">
                 <a:tc>
                   <a:txBody>
                     <a:bodyPr/>
@@ -4965,12 +5021,12 @@
                         </a:lnSpc>
                       </a:pPr>
                       <a:r>
-                        <a:rPr lang="ru-RU" sz="1600">
+                        <a:rPr lang="ru-RU" sz="1400">
                           <a:effectLst/>
                         </a:rPr>
                         <a:t>edit_cell(tree, event)</a:t>
                       </a:r>
-                      <a:endParaRPr lang="ru-RU" sz="1600">
+                      <a:endParaRPr lang="ru-RU" sz="1400">
                         <a:effectLst/>
                         <a:latin typeface="Times New Roman" panose="02020603050405020304" pitchFamily="18" charset="0"/>
                         <a:ea typeface="Times New Roman" panose="02020603050405020304" pitchFamily="18" charset="0"/>
@@ -4991,12 +5047,12 @@
                         </a:lnSpc>
                       </a:pPr>
                       <a:r>
-                        <a:rPr lang="ru-RU" sz="1600">
+                        <a:rPr lang="ru-RU" sz="1400" dirty="0">
                           <a:effectLst/>
                         </a:rPr>
                         <a:t>Позволяет редактировать ячейку в таблице.</a:t>
                       </a:r>
-                      <a:endParaRPr lang="ru-RU" sz="1600">
+                      <a:endParaRPr lang="ru-RU" sz="1400" dirty="0">
                         <a:effectLst/>
                         <a:latin typeface="Times New Roman" panose="02020603050405020304" pitchFamily="18" charset="0"/>
                         <a:ea typeface="Times New Roman" panose="02020603050405020304" pitchFamily="18" charset="0"/>
@@ -5012,7 +5068,7 @@
                   </a:ext>
                 </a:extLst>
               </a:tr>
-              <a:tr h="822536">
+              <a:tr h="706910">
                 <a:tc>
                   <a:txBody>
                     <a:bodyPr/>
@@ -5024,30 +5080,30 @@
                         </a:lnSpc>
                       </a:pPr>
                       <a:r>
-                        <a:rPr lang="ru-RU" sz="1600" dirty="0" err="1">
+                        <a:rPr lang="ru-RU" sz="1400" dirty="0" err="1">
                           <a:effectLst/>
                         </a:rPr>
                         <a:t>journal</a:t>
                       </a:r>
                       <a:r>
-                        <a:rPr lang="ru-RU" sz="1600" dirty="0">
+                        <a:rPr lang="ru-RU" sz="1400" dirty="0">
                           <a:effectLst/>
                         </a:rPr>
                         <a:t>(</a:t>
                       </a:r>
                       <a:r>
-                        <a:rPr lang="ru-RU" sz="1600" dirty="0" err="1">
+                        <a:rPr lang="ru-RU" sz="1400" dirty="0" err="1">
                           <a:effectLst/>
                         </a:rPr>
                         <a:t>data</a:t>
                       </a:r>
                       <a:r>
-                        <a:rPr lang="ru-RU" sz="1600" dirty="0">
+                        <a:rPr lang="ru-RU" sz="1400" dirty="0">
                           <a:effectLst/>
                         </a:rPr>
                         <a:t>)</a:t>
                       </a:r>
-                      <a:endParaRPr lang="ru-RU" sz="1600" dirty="0">
+                      <a:endParaRPr lang="ru-RU" sz="1400" dirty="0">
                         <a:effectLst/>
                         <a:latin typeface="Times New Roman" panose="02020603050405020304" pitchFamily="18" charset="0"/>
                         <a:ea typeface="Times New Roman" panose="02020603050405020304" pitchFamily="18" charset="0"/>
@@ -5068,12 +5124,12 @@
                         </a:lnSpc>
                       </a:pPr>
                       <a:r>
-                        <a:rPr lang="ru-RU" sz="1600" dirty="0">
+                        <a:rPr lang="ru-RU" sz="1400" dirty="0">
                           <a:effectLst/>
                         </a:rPr>
                         <a:t>Создает окно журнала с таблицей, позволяет редактировать таблицу, сохранить внесенные изменения.</a:t>
                       </a:r>
-                      <a:endParaRPr lang="ru-RU" sz="1600" dirty="0">
+                      <a:endParaRPr lang="ru-RU" sz="1400" dirty="0">
                         <a:effectLst/>
                         <a:latin typeface="Times New Roman" panose="02020603050405020304" pitchFamily="18" charset="0"/>
                         <a:ea typeface="Times New Roman" panose="02020603050405020304" pitchFamily="18" charset="0"/>
@@ -5089,7 +5145,7 @@
                   </a:ext>
                 </a:extLst>
               </a:tr>
-              <a:tr h="641816">
+              <a:tr h="551594">
                 <a:tc>
                   <a:txBody>
                     <a:bodyPr/>
@@ -5101,12 +5157,12 @@
                         </a:lnSpc>
                       </a:pPr>
                       <a:r>
-                        <a:rPr lang="ru-RU" sz="1600">
+                        <a:rPr lang="ru-RU" sz="1400">
                           <a:effectLst/>
                         </a:rPr>
                         <a:t>count_misses(tree)</a:t>
                       </a:r>
-                      <a:endParaRPr lang="ru-RU" sz="1600">
+                      <a:endParaRPr lang="ru-RU" sz="1400">
                         <a:effectLst/>
                         <a:latin typeface="Times New Roman" panose="02020603050405020304" pitchFamily="18" charset="0"/>
                         <a:ea typeface="Times New Roman" panose="02020603050405020304" pitchFamily="18" charset="0"/>
@@ -5127,12 +5183,12 @@
                         </a:lnSpc>
                       </a:pPr>
                       <a:r>
-                        <a:rPr lang="ru-RU" sz="1600" dirty="0">
+                        <a:rPr lang="ru-RU" sz="1400" dirty="0">
                           <a:effectLst/>
                         </a:rPr>
                         <a:t>Создает окно списка пропусков с таблицей, позволяет сохранить таблицу.</a:t>
                       </a:r>
-                      <a:endParaRPr lang="ru-RU" sz="1600" dirty="0">
+                      <a:endParaRPr lang="ru-RU" sz="1400" dirty="0">
                         <a:effectLst/>
                         <a:latin typeface="Times New Roman" panose="02020603050405020304" pitchFamily="18" charset="0"/>
                         <a:ea typeface="Times New Roman" panose="02020603050405020304" pitchFamily="18" charset="0"/>
@@ -5175,6 +5231,45 @@
           </a:p>
         </p:txBody>
       </p:sp>
+      <p:sp>
+        <p:nvSpPr>
+          <p:cNvPr id="6" name="TextBox 5">
+            <a:extLst>
+              <a:ext uri="{FF2B5EF4-FFF2-40B4-BE49-F238E27FC236}">
+                <a16:creationId xmlns:a16="http://schemas.microsoft.com/office/drawing/2014/main" id="{C8980B01-D0B2-4959-ADC4-2FC2BB40F9AD}"/>
+              </a:ext>
+            </a:extLst>
+          </p:cNvPr>
+          <p:cNvSpPr txBox="1"/>
+          <p:nvPr/>
+        </p:nvSpPr>
+        <p:spPr>
+          <a:xfrm>
+            <a:off x="1610808" y="1506022"/>
+            <a:ext cx="8970380" cy="369332"/>
+          </a:xfrm>
+          <a:prstGeom prst="rect">
+            <a:avLst/>
+          </a:prstGeom>
+          <a:noFill/>
+        </p:spPr>
+        <p:txBody>
+          <a:bodyPr wrap="square" rtlCol="0">
+            <a:spAutoFit/>
+          </a:bodyPr>
+          <a:lstStyle/>
+          <a:p>
+            <a:r>
+              <a:rPr lang="en-US" dirty="0"/>
+              <a:t> </a:t>
+            </a:r>
+            <a:r>
+              <a:rPr lang="ru-RU" dirty="0"/>
+              <a:t>В разработке программы было написано 18 функций, основные из них:</a:t>
+            </a:r>
+          </a:p>
+        </p:txBody>
+      </p:sp>
     </p:spTree>
     <p:extLst>
       <p:ext uri="{BB962C8B-B14F-4D97-AF65-F5344CB8AC3E}">
@@ -5189,7 +5284,7 @@
 </file>
 
 <file path=ppt/slides/slide11.xml><?xml version="1.0" encoding="utf-8"?>
-<p:sld xmlns:a="http://schemas.openxmlformats.org/drawingml/2006/main" xmlns:r="http://schemas.openxmlformats.org/officeDocument/2006/relationships" xmlns:p="http://schemas.openxmlformats.org/presentationml/2006/main">
+<p:sld xmlns:a="http://schemas.openxmlformats.org/drawingml/2006/main" xmlns:r="http://schemas.openxmlformats.org/officeDocument/2006/relationships" xmlns:p="http://schemas.openxmlformats.org/presentationml/2006/main" show="0">
   <p:cSld>
     <p:spTree>
       <p:nvGrpSpPr>
@@ -6880,6 +6975,14 @@
   <p:clrMapOvr>
     <a:masterClrMapping/>
   </p:clrMapOvr>
+  <mc:AlternateContent xmlns:mc="http://schemas.openxmlformats.org/markup-compatibility/2006">
+    <mc:Choice xmlns:p14="http://schemas.microsoft.com/office/powerpoint/2010/main" Requires="p14">
+      <p:transition spd="slow" p14:dur="2000" advTm="1675"/>
+    </mc:Choice>
+    <mc:Fallback>
+      <p:transition spd="slow" advTm="1675"/>
+    </mc:Fallback>
+  </mc:AlternateContent>
 </p:sld>
 </file>
 
